--- a/Py-pass.pptx
+++ b/Py-pass.pptx
@@ -110,6 +110,11 @@
       </a:defRPr>
     </a:lvl9pPr>
   </p:defaultTextStyle>
+  <p:extLst>
+    <p:ext uri="{EFAFB233-063F-42B5-8137-9DF3F51BA10A}">
+      <p15:sldGuideLst xmlns:p15="http://schemas.microsoft.com/office/powerpoint/2012/main"/>
+    </p:ext>
+  </p:extLst>
 </p:presentation>
 </file>
 
@@ -244,7 +249,7 @@
           <a:p>
             <a:fld id="{1C0CD1F2-43EE-4848-B53A-B26222C0DD84}" type="datetimeFigureOut">
               <a:rPr lang="ru-RU" smtClean="0"/>
-              <a:t>24.04.2023</a:t>
+              <a:t>25.04.2023</a:t>
             </a:fld>
             <a:endParaRPr lang="ru-RU"/>
           </a:p>
@@ -414,7 +419,7 @@
           <a:p>
             <a:fld id="{1C0CD1F2-43EE-4848-B53A-B26222C0DD84}" type="datetimeFigureOut">
               <a:rPr lang="ru-RU" smtClean="0"/>
-              <a:t>24.04.2023</a:t>
+              <a:t>25.04.2023</a:t>
             </a:fld>
             <a:endParaRPr lang="ru-RU"/>
           </a:p>
@@ -594,7 +599,7 @@
           <a:p>
             <a:fld id="{1C0CD1F2-43EE-4848-B53A-B26222C0DD84}" type="datetimeFigureOut">
               <a:rPr lang="ru-RU" smtClean="0"/>
-              <a:t>24.04.2023</a:t>
+              <a:t>25.04.2023</a:t>
             </a:fld>
             <a:endParaRPr lang="ru-RU"/>
           </a:p>
@@ -764,7 +769,7 @@
           <a:p>
             <a:fld id="{1C0CD1F2-43EE-4848-B53A-B26222C0DD84}" type="datetimeFigureOut">
               <a:rPr lang="ru-RU" smtClean="0"/>
-              <a:t>24.04.2023</a:t>
+              <a:t>25.04.2023</a:t>
             </a:fld>
             <a:endParaRPr lang="ru-RU"/>
           </a:p>
@@ -1010,7 +1015,7 @@
           <a:p>
             <a:fld id="{1C0CD1F2-43EE-4848-B53A-B26222C0DD84}" type="datetimeFigureOut">
               <a:rPr lang="ru-RU" smtClean="0"/>
-              <a:t>24.04.2023</a:t>
+              <a:t>25.04.2023</a:t>
             </a:fld>
             <a:endParaRPr lang="ru-RU"/>
           </a:p>
@@ -1242,7 +1247,7 @@
           <a:p>
             <a:fld id="{1C0CD1F2-43EE-4848-B53A-B26222C0DD84}" type="datetimeFigureOut">
               <a:rPr lang="ru-RU" smtClean="0"/>
-              <a:t>24.04.2023</a:t>
+              <a:t>25.04.2023</a:t>
             </a:fld>
             <a:endParaRPr lang="ru-RU"/>
           </a:p>
@@ -1609,7 +1614,7 @@
           <a:p>
             <a:fld id="{1C0CD1F2-43EE-4848-B53A-B26222C0DD84}" type="datetimeFigureOut">
               <a:rPr lang="ru-RU" smtClean="0"/>
-              <a:t>24.04.2023</a:t>
+              <a:t>25.04.2023</a:t>
             </a:fld>
             <a:endParaRPr lang="ru-RU"/>
           </a:p>
@@ -1727,7 +1732,7 @@
           <a:p>
             <a:fld id="{1C0CD1F2-43EE-4848-B53A-B26222C0DD84}" type="datetimeFigureOut">
               <a:rPr lang="ru-RU" smtClean="0"/>
-              <a:t>24.04.2023</a:t>
+              <a:t>25.04.2023</a:t>
             </a:fld>
             <a:endParaRPr lang="ru-RU"/>
           </a:p>
@@ -1822,7 +1827,7 @@
           <a:p>
             <a:fld id="{1C0CD1F2-43EE-4848-B53A-B26222C0DD84}" type="datetimeFigureOut">
               <a:rPr lang="ru-RU" smtClean="0"/>
-              <a:t>24.04.2023</a:t>
+              <a:t>25.04.2023</a:t>
             </a:fld>
             <a:endParaRPr lang="ru-RU"/>
           </a:p>
@@ -2099,7 +2104,7 @@
           <a:p>
             <a:fld id="{1C0CD1F2-43EE-4848-B53A-B26222C0DD84}" type="datetimeFigureOut">
               <a:rPr lang="ru-RU" smtClean="0"/>
-              <a:t>24.04.2023</a:t>
+              <a:t>25.04.2023</a:t>
             </a:fld>
             <a:endParaRPr lang="ru-RU"/>
           </a:p>
@@ -2352,7 +2357,7 @@
           <a:p>
             <a:fld id="{1C0CD1F2-43EE-4848-B53A-B26222C0DD84}" type="datetimeFigureOut">
               <a:rPr lang="ru-RU" smtClean="0"/>
-              <a:t>24.04.2023</a:t>
+              <a:t>25.04.2023</a:t>
             </a:fld>
             <a:endParaRPr lang="ru-RU"/>
           </a:p>
@@ -2597,7 +2602,7 @@
           <a:p>
             <a:fld id="{1C0CD1F2-43EE-4848-B53A-B26222C0DD84}" type="datetimeFigureOut">
               <a:rPr lang="ru-RU" smtClean="0"/>
-              <a:t>24.04.2023</a:t>
+              <a:t>25.04.2023</a:t>
             </a:fld>
             <a:endParaRPr lang="ru-RU"/>
           </a:p>
